--- a/Presentations/202101-PS Internal Meetup - Docs Demo.pptx
+++ b/Presentations/202101-PS Internal Meetup - Docs Demo.pptx
@@ -1381,7 +1381,7 @@
           </a:pPr>
           <a:r>
             <a:rPr lang="en-US"/>
-            <a:t>Follow the PowerShell-Doc Style Guide</a:t>
+            <a:t>Follow the PowerShell-Docs Style Guide</a:t>
           </a:r>
         </a:p>
       </dgm:t>
@@ -2074,7 +2074,7 @@
           </a:pPr>
           <a:r>
             <a:rPr lang="en-US" sz="2400" kern="1200"/>
-            <a:t>Follow the PowerShell-Doc Style Guide</a:t>
+            <a:t>Follow the PowerShell-Docs Style Guide</a:t>
           </a:r>
         </a:p>
       </dsp:txBody>
@@ -3871,7 +3871,7 @@
           <a:p>
             <a:fld id="{D5126471-B88A-4977-B365-59671680DDA6}" type="datetimeFigureOut">
               <a:rPr lang="en-US" smtClean="0"/>
-              <a:t>1/29/2021</a:t>
+              <a:t>2/4/2021</a:t>
             </a:fld>
             <a:endParaRPr lang="en-US"/>
           </a:p>
@@ -4079,7 +4079,7 @@
           <a:p>
             <a:fld id="{D5126471-B88A-4977-B365-59671680DDA6}" type="datetimeFigureOut">
               <a:rPr lang="en-US" smtClean="0"/>
-              <a:t>1/29/2021</a:t>
+              <a:t>2/4/2021</a:t>
             </a:fld>
             <a:endParaRPr lang="en-US"/>
           </a:p>
@@ -4335,7 +4335,7 @@
           <a:p>
             <a:fld id="{D5126471-B88A-4977-B365-59671680DDA6}" type="datetimeFigureOut">
               <a:rPr lang="en-US" smtClean="0"/>
-              <a:t>1/29/2021</a:t>
+              <a:t>2/4/2021</a:t>
             </a:fld>
             <a:endParaRPr lang="en-US"/>
           </a:p>
@@ -4509,7 +4509,7 @@
           <a:p>
             <a:fld id="{D5126471-B88A-4977-B365-59671680DDA6}" type="datetimeFigureOut">
               <a:rPr lang="en-US" smtClean="0"/>
-              <a:t>1/29/2021</a:t>
+              <a:t>2/4/2021</a:t>
             </a:fld>
             <a:endParaRPr lang="en-US"/>
           </a:p>
@@ -4852,7 +4852,7 @@
           <a:p>
             <a:fld id="{D5126471-B88A-4977-B365-59671680DDA6}" type="datetimeFigureOut">
               <a:rPr lang="en-US" smtClean="0"/>
-              <a:t>1/29/2021</a:t>
+              <a:t>2/4/2021</a:t>
             </a:fld>
             <a:endParaRPr lang="en-US"/>
           </a:p>
@@ -5127,7 +5127,7 @@
           <a:p>
             <a:fld id="{D5126471-B88A-4977-B365-59671680DDA6}" type="datetimeFigureOut">
               <a:rPr lang="en-US" smtClean="0"/>
-              <a:t>1/29/2021</a:t>
+              <a:t>2/4/2021</a:t>
             </a:fld>
             <a:endParaRPr lang="en-US"/>
           </a:p>
@@ -5506,7 +5506,7 @@
           <a:p>
             <a:fld id="{D5126471-B88A-4977-B365-59671680DDA6}" type="datetimeFigureOut">
               <a:rPr lang="en-US" smtClean="0"/>
-              <a:t>1/29/2021</a:t>
+              <a:t>2/4/2021</a:t>
             </a:fld>
             <a:endParaRPr lang="en-US"/>
           </a:p>
@@ -5624,7 +5624,7 @@
           <a:p>
             <a:fld id="{D5126471-B88A-4977-B365-59671680DDA6}" type="datetimeFigureOut">
               <a:rPr lang="en-US" smtClean="0"/>
-              <a:t>1/29/2021</a:t>
+              <a:t>2/4/2021</a:t>
             </a:fld>
             <a:endParaRPr lang="en-US"/>
           </a:p>
@@ -5795,7 +5795,7 @@
           <a:p>
             <a:fld id="{D5126471-B88A-4977-B365-59671680DDA6}" type="datetimeFigureOut">
               <a:rPr lang="en-US" smtClean="0"/>
-              <a:t>1/29/2021</a:t>
+              <a:t>2/4/2021</a:t>
             </a:fld>
             <a:endParaRPr lang="en-US"/>
           </a:p>
@@ -6149,7 +6149,7 @@
           <a:p>
             <a:fld id="{D5126471-B88A-4977-B365-59671680DDA6}" type="datetimeFigureOut">
               <a:rPr lang="en-US" smtClean="0"/>
-              <a:t>1/29/2021</a:t>
+              <a:t>2/4/2021</a:t>
             </a:fld>
             <a:endParaRPr lang="en-US"/>
           </a:p>
@@ -6531,7 +6531,7 @@
           <a:p>
             <a:fld id="{D5126471-B88A-4977-B365-59671680DDA6}" type="datetimeFigureOut">
               <a:rPr lang="en-US" smtClean="0"/>
-              <a:t>1/29/2021</a:t>
+              <a:t>2/4/2021</a:t>
             </a:fld>
             <a:endParaRPr lang="en-US"/>
           </a:p>
@@ -6818,7 +6818,7 @@
           <a:p>
             <a:fld id="{D5126471-B88A-4977-B365-59671680DDA6}" type="datetimeFigureOut">
               <a:rPr lang="en-US" smtClean="0"/>
-              <a:t>1/29/2021</a:t>
+              <a:t>2/4/2021</a:t>
             </a:fld>
             <a:endParaRPr lang="en-US"/>
           </a:p>
@@ -9253,6 +9253,11 @@
           </p:cNvGraphicFramePr>
           <p:nvPr>
             <p:ph idx="1"/>
+            <p:extLst>
+              <p:ext uri="{D42A27DB-BD31-4B8C-83A1-F6EECF244321}">
+                <p14:modId xmlns:p14="http://schemas.microsoft.com/office/powerpoint/2010/main" val="4127981243"/>
+              </p:ext>
+            </p:extLst>
           </p:nvPr>
         </p:nvGraphicFramePr>
         <p:xfrm>
